--- a/Support.pptx
+++ b/Support.pptx
@@ -20,7 +20,7 @@
   <p:notesSz cx="6858000" cy="9144000"/>
   <p:embeddedFontLst>
     <p:embeddedFont>
-      <p:font typeface="Poppins" panose="00000500000000000000" pitchFamily="2" charset="0"/>
+      <p:font typeface="Poppins" panose="020B0502040204020203" pitchFamily="2" charset="0"/>
       <p:regular r:id="rId10"/>
       <p:bold r:id="rId11"/>
       <p:italic r:id="rId12"/>
@@ -11736,7 +11736,7 @@
               <a:buNone/>
             </a:pPr>
             <a:r>
-              <a:rPr lang="en" b="1">
+              <a:rPr lang="en" b="1" dirty="0">
                 <a:solidFill>
                   <a:schemeClr val="dk1"/>
                 </a:solidFill>
@@ -11747,7 +11747,7 @@
               </a:rPr>
               <a:t>Second step</a:t>
             </a:r>
-            <a:endParaRPr b="1">
+            <a:endParaRPr b="1" dirty="0">
               <a:solidFill>
                 <a:schemeClr val="dk1"/>
               </a:solidFill>
@@ -11768,7 +11768,7 @@
               <a:buNone/>
             </a:pPr>
             <a:r>
-              <a:rPr lang="en" sz="1200">
+              <a:rPr lang="en" sz="1200" dirty="0">
                 <a:solidFill>
                   <a:schemeClr val="dk1"/>
                 </a:solidFill>
@@ -11779,7 +11779,7 @@
               </a:rPr>
               <a:t>Compiling examples to better understand the syntax.</a:t>
             </a:r>
-            <a:endParaRPr sz="1500">
+            <a:endParaRPr sz="1500" dirty="0">
               <a:solidFill>
                 <a:schemeClr val="dk1"/>
               </a:solidFill>
@@ -11960,7 +11960,7 @@
               <a:buNone/>
             </a:pPr>
             <a:r>
-              <a:rPr lang="en" sz="1200">
+              <a:rPr lang="en" sz="1200" dirty="0">
                 <a:solidFill>
                   <a:schemeClr val="dk1"/>
                 </a:solidFill>
@@ -11971,7 +11971,7 @@
               </a:rPr>
               <a:t>Realized that a more methodical and structured approach was needed for effective development.</a:t>
             </a:r>
-            <a:endParaRPr sz="1500">
+            <a:endParaRPr sz="1500" dirty="0">
               <a:solidFill>
                 <a:schemeClr val="dk1"/>
               </a:solidFill>
@@ -11992,7 +11992,7 @@
               <a:buNone/>
             </a:pPr>
             <a:r>
-              <a:rPr lang="en" b="1">
+              <a:rPr lang="en" b="1" dirty="0">
                 <a:solidFill>
                   <a:schemeClr val="dk1"/>
                 </a:solidFill>
@@ -12003,7 +12003,7 @@
               </a:rPr>
               <a:t>Fourth step</a:t>
             </a:r>
-            <a:endParaRPr>
+            <a:endParaRPr dirty="0">
               <a:solidFill>
                 <a:schemeClr val="dk1"/>
               </a:solidFill>
